--- a/Proyecto_Final/Memoria/Presentación4.pptx
+++ b/Proyecto_Final/Memoria/Presentación4.pptx
@@ -123,6 +123,7 @@
 <file path=ppt/revisionInfo.xml><?xml version="1.0" encoding="utf-8"?>
 <p1510:revInfo xmlns:a="http://schemas.openxmlformats.org/drawingml/2006/main" xmlns:r="http://schemas.openxmlformats.org/officeDocument/2006/relationships" xmlns:p1510="http://schemas.microsoft.com/office/powerpoint/2015/10/main">
   <p1510:revLst>
+    <p1510:client id="{0E2C27D1-D45E-2BD2-8D06-DB8BB4CBB7B1}" v="22" dt="2021-06-28T09:16:28.767"/>
     <p1510:client id="{B152C8C4-329D-4A1A-A1DB-48B1EEDA208C}" v="2799" dt="2021-06-15T16:54:45.310"/>
   </p1510:revLst>
 </p1510:revInfo>
@@ -279,7 +280,7 @@
           <a:p>
             <a:fld id="{23FEA57E-7C1A-457B-A4CD-5DCEB057B502}" type="datetime1">
               <a:rPr lang="en-US" smtClean="0"/>
-              <a:t>6/15/2021</a:t>
+              <a:t>6/28/2021</a:t>
             </a:fld>
             <a:endParaRPr lang="en-US" dirty="0"/>
           </a:p>
@@ -482,7 +483,7 @@
           <a:p>
             <a:fld id="{11789749-A4CD-447F-8298-2B7988C91CEA}" type="datetime1">
               <a:rPr lang="en-US" smtClean="0"/>
-              <a:t>6/15/2021</a:t>
+              <a:t>6/28/2021</a:t>
             </a:fld>
             <a:endParaRPr lang="en-US"/>
           </a:p>
@@ -693,7 +694,7 @@
           <a:p>
             <a:fld id="{BA0444D3-C0BA-4587-A56C-581AB9F841BE}" type="datetime1">
               <a:rPr lang="en-US" smtClean="0"/>
-              <a:t>6/15/2021</a:t>
+              <a:t>6/28/2021</a:t>
             </a:fld>
             <a:endParaRPr lang="en-US"/>
           </a:p>
@@ -907,7 +908,7 @@
           <a:p>
             <a:fld id="{201AF2CE-4F37-411C-A3EE-BBBE223265BF}" type="datetime1">
               <a:rPr lang="en-US" smtClean="0"/>
-              <a:t>6/15/2021</a:t>
+              <a:t>6/28/2021</a:t>
             </a:fld>
             <a:endParaRPr lang="en-US"/>
           </a:p>
@@ -1188,7 +1189,7 @@
           <a:p>
             <a:fld id="{C96083D4-708C-4BB5-B4FD-30CE9FA12FD5}" type="datetime1">
               <a:rPr lang="en-US" smtClean="0"/>
-              <a:t>6/15/2021</a:t>
+              <a:t>6/28/2021</a:t>
             </a:fld>
             <a:endParaRPr lang="en-US"/>
           </a:p>
@@ -1468,7 +1469,7 @@
           <a:p>
             <a:fld id="{D0D239B2-65BC-4C2A-A62B-3EABFE9590E4}" type="datetime1">
               <a:rPr lang="en-US" smtClean="0"/>
-              <a:t>6/15/2021</a:t>
+              <a:t>6/28/2021</a:t>
             </a:fld>
             <a:endParaRPr lang="en-US"/>
           </a:p>
@@ -1890,7 +1891,7 @@
           <a:p>
             <a:fld id="{85E05F5A-E4A3-476F-A89E-C2B73F2431E4}" type="datetime1">
               <a:rPr lang="en-US" smtClean="0"/>
-              <a:t>6/15/2021</a:t>
+              <a:t>6/28/2021</a:t>
             </a:fld>
             <a:endParaRPr lang="en-US"/>
           </a:p>
@@ -2035,7 +2036,7 @@
           <a:p>
             <a:fld id="{E3761515-4A26-4F31-9F61-5A10B1FABBFC}" type="datetime1">
               <a:rPr lang="en-US" smtClean="0"/>
-              <a:t>6/15/2021</a:t>
+              <a:t>6/28/2021</a:t>
             </a:fld>
             <a:endParaRPr lang="en-US"/>
           </a:p>
@@ -2151,7 +2152,7 @@
           <a:p>
             <a:fld id="{4A75DC65-7D1F-4BAB-9695-F7E734143E14}" type="datetime1">
               <a:rPr lang="en-US" smtClean="0"/>
-              <a:t>6/15/2021</a:t>
+              <a:t>6/28/2021</a:t>
             </a:fld>
             <a:endParaRPr lang="en-US"/>
           </a:p>
@@ -2465,7 +2466,7 @@
           <a:p>
             <a:fld id="{7E624077-BD55-4036-8E92-6558FDF3B653}" type="datetime1">
               <a:rPr lang="en-US" smtClean="0"/>
-              <a:t>6/15/2021</a:t>
+              <a:t>6/28/2021</a:t>
             </a:fld>
             <a:endParaRPr lang="en-US"/>
           </a:p>
@@ -2759,7 +2760,7 @@
           <a:p>
             <a:fld id="{804225F2-7107-4609-BCC2-77C63064A5E8}" type="datetime1">
               <a:rPr lang="en-US" smtClean="0"/>
-              <a:t>6/15/2021</a:t>
+              <a:t>6/28/2021</a:t>
             </a:fld>
             <a:endParaRPr lang="en-US"/>
           </a:p>
@@ -3007,7 +3008,7 @@
           <a:p>
             <a:fld id="{D3FE42E8-8B57-452D-A122-4DCE9AC771EF}" type="datetime1">
               <a:rPr lang="en-US" smtClean="0"/>
-              <a:t>6/15/2021</a:t>
+              <a:t>6/28/2021</a:t>
             </a:fld>
             <a:endParaRPr lang="en-US"/>
           </a:p>
@@ -5090,7 +5091,7 @@
             </a:r>
             <a:r>
               <a:rPr lang="en-US" dirty="0"/>
-              <a:t> que es </a:t>
+              <a:t>, que es </a:t>
             </a:r>
             <a:r>
               <a:rPr lang="en-US" dirty="0" err="1"/>
@@ -5144,6 +5145,7 @@
               <a:rPr lang="en-US" dirty="0" err="1"/>
               <a:t>algoritmo</a:t>
             </a:r>
+            <a:endParaRPr lang="en-US" dirty="0"/>
           </a:p>
           <a:p>
             <a:r>
@@ -5218,6 +5220,7 @@
               <a:rPr lang="en-US" dirty="0" err="1"/>
               <a:t>algoritmo</a:t>
             </a:r>
+            <a:endParaRPr lang="en-US" dirty="0"/>
           </a:p>
         </p:txBody>
       </p:sp>
@@ -5534,7 +5537,7 @@
           <a:p>
             <a:r>
               <a:rPr lang="es-ES" dirty="0"/>
-              <a:t>La hormiga se selecciona mediante el método de la ruleta, que se basa en el peso que tiene cada hormiga león respecto del total del conjunto de las hormigas león</a:t>
+              <a:t>La hormiga león se selecciona mediante el método de la ruleta, que se basa en el peso que tiene cada hormiga león respecto del total del conjunto de las hormigas león</a:t>
             </a:r>
           </a:p>
         </p:txBody>
@@ -6192,14 +6195,14 @@
           </a:xfrm>
         </p:spPr>
         <p:txBody>
-          <a:bodyPr vert="horz" lIns="91440" tIns="45720" rIns="91440" bIns="45720" rtlCol="0">
+          <a:bodyPr vert="horz" lIns="91440" tIns="45720" rIns="91440" bIns="45720" rtlCol="0" anchor="t">
             <a:normAutofit/>
           </a:bodyPr>
           <a:lstStyle/>
           <a:p>
             <a:r>
               <a:rPr lang="es-ES" dirty="0"/>
-              <a:t>Una hormiga es captura por una hormiga león cuando tiene mejor fitness que ella. La hormiga león con la que se compara es la hormiga león seleccionada mediante el método de la ruleta</a:t>
+              <a:t>Una hormiga es capturada por una hormiga león cuando tiene mejor fitness que ella. La hormiga león con la que se compara es la hormiga león seleccionada mediante el método de la ruleta</a:t>
             </a:r>
           </a:p>
         </p:txBody>
